--- a/HalloweenLeltár.pptx
+++ b/HalloweenLeltár.pptx
@@ -9,6 +9,7 @@
     <p:sldId id="258" r:id="rId3"/>
     <p:sldId id="257" r:id="rId4"/>
     <p:sldId id="259" r:id="rId5"/>
+    <p:sldId id="260" r:id="rId6"/>
   </p:sldIdLst>
   <p:sldSz cx="12192000" cy="6858000"/>
   <p:notesSz cx="6858000" cy="9144000"/>
@@ -7364,6 +7365,96 @@
 </p:sld>
 </file>
 
+<file path=ppt/slides/slide5.xml><?xml version="1.0" encoding="utf-8"?>
+<p:sld xmlns:a="http://schemas.openxmlformats.org/drawingml/2006/main" xmlns:r="http://schemas.openxmlformats.org/officeDocument/2006/relationships" xmlns:p="http://schemas.openxmlformats.org/presentationml/2006/main">
+  <p:cSld>
+    <p:spTree>
+      <p:nvGrpSpPr>
+        <p:cNvPr id="1" name=""/>
+        <p:cNvGrpSpPr/>
+        <p:nvPr/>
+      </p:nvGrpSpPr>
+      <p:grpSpPr>
+        <a:xfrm>
+          <a:off x="0" y="0"/>
+          <a:ext cx="0" cy="0"/>
+          <a:chOff x="0" y="0"/>
+          <a:chExt cx="0" cy="0"/>
+        </a:xfrm>
+      </p:grpSpPr>
+      <p:sp>
+        <p:nvSpPr>
+          <p:cNvPr id="2" name="Cím 1"/>
+          <p:cNvSpPr>
+            <a:spLocks noGrp="1"/>
+          </p:cNvSpPr>
+          <p:nvPr>
+            <p:ph type="title"/>
+          </p:nvPr>
+        </p:nvSpPr>
+        <p:spPr/>
+        <p:txBody>
+          <a:bodyPr/>
+          <a:lstStyle/>
+          <a:p>
+            <a:r>
+              <a:rPr lang="hu-HU" dirty="0" smtClean="0"/>
+              <a:t>Kölcsönző kezelőfelület </a:t>
+            </a:r>
+            <a:r>
+              <a:rPr lang="hu-HU" smtClean="0"/>
+              <a:t/>
+            </a:r>
+            <a:br>
+              <a:rPr lang="hu-HU" smtClean="0"/>
+            </a:br>
+            <a:r>
+              <a:rPr lang="hu-HU" smtClean="0"/>
+              <a:t>Módosítása:</a:t>
+            </a:r>
+            <a:endParaRPr lang="hu-HU" dirty="0"/>
+          </a:p>
+        </p:txBody>
+      </p:sp>
+      <p:pic>
+        <p:nvPicPr>
+          <p:cNvPr id="4" name="Tartalom helye 3"/>
+          <p:cNvPicPr>
+            <a:picLocks noGrp="1" noChangeAspect="1"/>
+          </p:cNvPicPr>
+          <p:nvPr>
+            <p:ph idx="1"/>
+          </p:nvPr>
+        </p:nvPicPr>
+        <p:blipFill>
+          <a:blip r:embed="rId2"/>
+          <a:stretch>
+            <a:fillRect/>
+          </a:stretch>
+        </p:blipFill>
+        <p:spPr>
+          <a:xfrm>
+            <a:off x="1587500" y="2297112"/>
+            <a:ext cx="9505950" cy="3571875"/>
+          </a:xfrm>
+          <a:prstGeom prst="rect">
+            <a:avLst/>
+          </a:prstGeom>
+        </p:spPr>
+      </p:pic>
+    </p:spTree>
+    <p:extLst>
+      <p:ext uri="{BB962C8B-B14F-4D97-AF65-F5344CB8AC3E}">
+        <p14:creationId xmlns:p14="http://schemas.microsoft.com/office/powerpoint/2010/main" val="1342009991"/>
+      </p:ext>
+    </p:extLst>
+  </p:cSld>
+  <p:clrMapOvr>
+    <a:masterClrMapping/>
+  </p:clrMapOvr>
+</p:sld>
+</file>
+
 <file path=ppt/theme/theme1.xml><?xml version="1.0" encoding="utf-8"?>
 <a:theme xmlns:a="http://schemas.openxmlformats.org/drawingml/2006/main" name="Badge">
   <a:themeElements>

--- a/HalloweenLeltár.pptx
+++ b/HalloweenLeltár.pptx
@@ -7401,15 +7401,11 @@
               <a:rPr lang="hu-HU" dirty="0" smtClean="0"/>
               <a:t>Kölcsönző kezelőfelület </a:t>
             </a:r>
-            <a:r>
-              <a:rPr lang="hu-HU" smtClean="0"/>
-              <a:t/>
-            </a:r>
             <a:br>
-              <a:rPr lang="hu-HU" smtClean="0"/>
+              <a:rPr lang="hu-HU" dirty="0" smtClean="0"/>
             </a:br>
             <a:r>
-              <a:rPr lang="hu-HU" smtClean="0"/>
+              <a:rPr lang="hu-HU" dirty="0" smtClean="0"/>
               <a:t>Módosítása:</a:t>
             </a:r>
             <a:endParaRPr lang="hu-HU" dirty="0"/>
@@ -7418,7 +7414,7 @@
       </p:sp>
       <p:pic>
         <p:nvPicPr>
-          <p:cNvPr id="4" name="Tartalom helye 3"/>
+          <p:cNvPr id="6" name="Tartalom helye 5"/>
           <p:cNvPicPr>
             <a:picLocks noGrp="1" noChangeAspect="1"/>
           </p:cNvPicPr>
@@ -7434,8 +7430,8 @@
         </p:blipFill>
         <p:spPr>
           <a:xfrm>
-            <a:off x="1587500" y="2297112"/>
-            <a:ext cx="9505950" cy="3571875"/>
+            <a:off x="2055202" y="2286000"/>
+            <a:ext cx="8570546" cy="3594100"/>
           </a:xfrm>
           <a:prstGeom prst="rect">
             <a:avLst/>
